--- a/Presentation/Dav.pptx
+++ b/Presentation/Dav.pptx
@@ -3163,7 +3163,7 @@
           <a:p>
             <a:fld id="{85A3CED6-646C-6844-A00C-395F9DD24332}" type="datetimeFigureOut">
               <a:rPr lang="en-CO" smtClean="0"/>
-              <a:t>5/07/20</a:t>
+              <a:t>6/07/20</a:t>
             </a:fld>
             <a:endParaRPr lang="en-CO"/>
           </a:p>
@@ -4970,7 +4970,7 @@
           <a:p>
             <a:fld id="{0B979CEC-AE25-4B1B-915C-86FF688ED53E}" type="datetimeFigureOut">
               <a:rPr lang="en-US" smtClean="0"/>
-              <a:t>7/5/20</a:t>
+              <a:t>7/6/20</a:t>
             </a:fld>
             <a:endParaRPr lang="en-US"/>
           </a:p>
@@ -5168,7 +5168,7 @@
           <a:p>
             <a:fld id="{0B979CEC-AE25-4B1B-915C-86FF688ED53E}" type="datetimeFigureOut">
               <a:rPr lang="en-US" smtClean="0"/>
-              <a:t>7/5/20</a:t>
+              <a:t>7/6/20</a:t>
             </a:fld>
             <a:endParaRPr lang="en-US"/>
           </a:p>
@@ -5376,7 +5376,7 @@
           <a:p>
             <a:fld id="{0B979CEC-AE25-4B1B-915C-86FF688ED53E}" type="datetimeFigureOut">
               <a:rPr lang="en-US" smtClean="0"/>
-              <a:t>7/5/20</a:t>
+              <a:t>7/6/20</a:t>
             </a:fld>
             <a:endParaRPr lang="en-US"/>
           </a:p>
@@ -5574,7 +5574,7 @@
           <a:p>
             <a:fld id="{0B979CEC-AE25-4B1B-915C-86FF688ED53E}" type="datetimeFigureOut">
               <a:rPr lang="en-US" smtClean="0"/>
-              <a:t>7/5/20</a:t>
+              <a:t>7/6/20</a:t>
             </a:fld>
             <a:endParaRPr lang="en-US"/>
           </a:p>
@@ -5849,7 +5849,7 @@
           <a:p>
             <a:fld id="{0B979CEC-AE25-4B1B-915C-86FF688ED53E}" type="datetimeFigureOut">
               <a:rPr lang="en-US" smtClean="0"/>
-              <a:t>7/5/20</a:t>
+              <a:t>7/6/20</a:t>
             </a:fld>
             <a:endParaRPr lang="en-US"/>
           </a:p>
@@ -6114,7 +6114,7 @@
           <a:p>
             <a:fld id="{0B979CEC-AE25-4B1B-915C-86FF688ED53E}" type="datetimeFigureOut">
               <a:rPr lang="en-US" smtClean="0"/>
-              <a:t>7/5/20</a:t>
+              <a:t>7/6/20</a:t>
             </a:fld>
             <a:endParaRPr lang="en-US"/>
           </a:p>
@@ -6526,7 +6526,7 @@
           <a:p>
             <a:fld id="{0B979CEC-AE25-4B1B-915C-86FF688ED53E}" type="datetimeFigureOut">
               <a:rPr lang="en-US" smtClean="0"/>
-              <a:t>7/5/20</a:t>
+              <a:t>7/6/20</a:t>
             </a:fld>
             <a:endParaRPr lang="en-US"/>
           </a:p>
@@ -6667,7 +6667,7 @@
           <a:p>
             <a:fld id="{0B979CEC-AE25-4B1B-915C-86FF688ED53E}" type="datetimeFigureOut">
               <a:rPr lang="en-US" smtClean="0"/>
-              <a:t>7/5/20</a:t>
+              <a:t>7/6/20</a:t>
             </a:fld>
             <a:endParaRPr lang="en-US"/>
           </a:p>
@@ -6780,7 +6780,7 @@
           <a:p>
             <a:fld id="{0B979CEC-AE25-4B1B-915C-86FF688ED53E}" type="datetimeFigureOut">
               <a:rPr lang="en-US" smtClean="0"/>
-              <a:t>7/5/20</a:t>
+              <a:t>7/6/20</a:t>
             </a:fld>
             <a:endParaRPr lang="en-US"/>
           </a:p>
@@ -7091,7 +7091,7 @@
           <a:p>
             <a:fld id="{0B979CEC-AE25-4B1B-915C-86FF688ED53E}" type="datetimeFigureOut">
               <a:rPr lang="en-US" smtClean="0"/>
-              <a:t>7/5/20</a:t>
+              <a:t>7/6/20</a:t>
             </a:fld>
             <a:endParaRPr lang="en-US"/>
           </a:p>
@@ -7379,7 +7379,7 @@
           <a:p>
             <a:fld id="{0B979CEC-AE25-4B1B-915C-86FF688ED53E}" type="datetimeFigureOut">
               <a:rPr lang="en-US" smtClean="0"/>
-              <a:t>7/5/20</a:t>
+              <a:t>7/6/20</a:t>
             </a:fld>
             <a:endParaRPr lang="en-US"/>
           </a:p>
@@ -7620,7 +7620,7 @@
           <a:p>
             <a:fld id="{0B979CEC-AE25-4B1B-915C-86FF688ED53E}" type="datetimeFigureOut">
               <a:rPr lang="en-US" smtClean="0"/>
-              <a:t>7/5/20</a:t>
+              <a:t>7/6/20</a:t>
             </a:fld>
             <a:endParaRPr lang="en-US"/>
           </a:p>
@@ -20207,8 +20207,8 @@
           </a:fontRef>
         </p:style>
       </p:cxnSp>
-      <mc:AlternateContent xmlns:mc="http://schemas.openxmlformats.org/markup-compatibility/2006" xmlns:a14="http://schemas.microsoft.com/office/drawing/2010/main">
-        <mc:Choice Requires="a14">
+      <mc:AlternateContent xmlns:mc="http://schemas.openxmlformats.org/markup-compatibility/2006">
+        <mc:Choice xmlns:a14="http://schemas.microsoft.com/office/drawing/2010/main" Requires="a14">
           <p:sp>
             <p:nvSpPr>
               <p:cNvPr id="164" name="TextBox 163">
@@ -20223,7 +20223,7 @@
             </p:nvSpPr>
             <p:spPr>
               <a:xfrm>
-                <a:off x="928064" y="5240034"/>
+                <a:off x="928064" y="5256218"/>
                 <a:ext cx="2882505" cy="1200329"/>
               </a:xfrm>
               <a:prstGeom prst="rect">
@@ -20366,7 +20366,7 @@
             </p:txBody>
           </p:sp>
         </mc:Choice>
-        <mc:Fallback xmlns="">
+        <mc:Fallback>
           <p:sp>
             <p:nvSpPr>
               <p:cNvPr id="164" name="TextBox 163">
@@ -20383,7 +20383,7 @@
             </p:nvSpPr>
             <p:spPr>
               <a:xfrm>
-                <a:off x="928064" y="5240034"/>
+                <a:off x="928064" y="5256218"/>
                 <a:ext cx="2882505" cy="1200329"/>
               </a:xfrm>
               <a:prstGeom prst="rect">
@@ -20411,8 +20411,8 @@
           </p:sp>
         </mc:Fallback>
       </mc:AlternateContent>
-      <mc:AlternateContent xmlns:mc="http://schemas.openxmlformats.org/markup-compatibility/2006" xmlns:a14="http://schemas.microsoft.com/office/drawing/2010/main">
-        <mc:Choice Requires="a14">
+      <mc:AlternateContent xmlns:mc="http://schemas.openxmlformats.org/markup-compatibility/2006">
+        <mc:Choice xmlns:a14="http://schemas.microsoft.com/office/drawing/2010/main" Requires="a14">
           <p:sp>
             <p:nvSpPr>
               <p:cNvPr id="165" name="TextBox 164">
@@ -20427,7 +20427,7 @@
             </p:nvSpPr>
             <p:spPr>
               <a:xfrm>
-                <a:off x="7967761" y="5237330"/>
+                <a:off x="7967761" y="5253514"/>
                 <a:ext cx="2882505" cy="1200329"/>
               </a:xfrm>
               <a:prstGeom prst="rect">
@@ -20587,7 +20587,7 @@
             </p:txBody>
           </p:sp>
         </mc:Choice>
-        <mc:Fallback xmlns="">
+        <mc:Fallback>
           <p:sp>
             <p:nvSpPr>
               <p:cNvPr id="165" name="TextBox 164">
@@ -20604,7 +20604,7 @@
             </p:nvSpPr>
             <p:spPr>
               <a:xfrm>
-                <a:off x="7967761" y="5237330"/>
+                <a:off x="7967761" y="5253514"/>
                 <a:ext cx="2882505" cy="1200329"/>
               </a:xfrm>
               <a:prstGeom prst="rect">
@@ -20613,7 +20613,7 @@
               <a:blipFill>
                 <a:blip r:embed="rId10"/>
                 <a:stretch>
-                  <a:fillRect l="-1316" t="-1042" b="-7292"/>
+                  <a:fillRect l="-1316" t="-2105" b="-7368"/>
                 </a:stretch>
               </a:blipFill>
             </p:spPr>
@@ -37468,8 +37468,8 @@
           </p:style>
         </p:cxnSp>
       </p:grpSp>
-      <mc:AlternateContent xmlns:mc="http://schemas.openxmlformats.org/markup-compatibility/2006">
-        <mc:Choice xmlns:a14="http://schemas.microsoft.com/office/drawing/2010/main" Requires="a14">
+      <mc:AlternateContent xmlns:mc="http://schemas.openxmlformats.org/markup-compatibility/2006" xmlns:a14="http://schemas.microsoft.com/office/drawing/2010/main">
+        <mc:Choice Requires="a14">
           <p:sp>
             <p:nvSpPr>
               <p:cNvPr id="2" name="TextBox 1">
@@ -37525,7 +37525,7 @@
             </p:txBody>
           </p:sp>
         </mc:Choice>
-        <mc:Fallback>
+        <mc:Fallback xmlns="">
           <p:sp>
             <p:nvSpPr>
               <p:cNvPr id="2" name="TextBox 1">
@@ -40095,21 +40095,6 @@
 </file>
 
 <file path=customXml/item1.xml><?xml version="1.0" encoding="utf-8"?>
-<p:properties xmlns:p="http://schemas.microsoft.com/office/2006/metadata/properties" xmlns:xsi="http://www.w3.org/2001/XMLSchema-instance" xmlns:pc="http://schemas.microsoft.com/office/infopath/2007/PartnerControls">
-  <documentManagement/>
-</p:properties>
-</file>
-
-<file path=customXml/item2.xml><?xml version="1.0" encoding="utf-8"?>
-<?mso-contentType ?>
-<FormTemplates xmlns="http://schemas.microsoft.com/sharepoint/v3/contenttype/forms">
-  <Display>DocumentLibraryForm</Display>
-  <Edit>DocumentLibraryForm</Edit>
-  <New>DocumentLibraryForm</New>
-</FormTemplates>
-</file>
-
-<file path=customXml/item3.xml><?xml version="1.0" encoding="utf-8"?>
 <ct:contentTypeSchema xmlns:ct="http://schemas.microsoft.com/office/2006/metadata/contentType" xmlns:ma="http://schemas.microsoft.com/office/2006/metadata/properties/metaAttributes" ct:_="" ma:_="" ma:contentTypeName="Document" ma:contentTypeID="0x010100B8F55504E7F38344A107C8C3B0E34CE3" ma:contentTypeVersion="9" ma:contentTypeDescription="Create a new document." ma:contentTypeScope="" ma:versionID="e89fe65c2226b91accf63787939d7cbf">
   <xsd:schema xmlns:xsd="http://www.w3.org/2001/XMLSchema" xmlns:xs="http://www.w3.org/2001/XMLSchema" xmlns:p="http://schemas.microsoft.com/office/2006/metadata/properties" xmlns:ns2="e4abf4fe-c96e-48b4-ac04-c3b39fa429c8" targetNamespace="http://schemas.microsoft.com/office/2006/metadata/properties" ma:root="true" ma:fieldsID="c0e9b56046c07860351e1d4f8e486c0c" ns2:_="">
     <xsd:import namespace="e4abf4fe-c96e-48b4-ac04-c3b39fa429c8"/>
@@ -40287,31 +40272,22 @@
 </ct:contentTypeSchema>
 </file>
 
-<file path=customXml/itemProps1.xml><?xml version="1.0" encoding="utf-8"?>
-<ds:datastoreItem xmlns:ds="http://schemas.openxmlformats.org/officeDocument/2006/customXml" ds:itemID="{171AAE2B-F6A2-4AAE-8BF7-F2866F86FA0A}">
-  <ds:schemaRefs>
-    <ds:schemaRef ds:uri="http://purl.org/dc/terms/"/>
-    <ds:schemaRef ds:uri="http://www.w3.org/XML/1998/namespace"/>
-    <ds:schemaRef ds:uri="e4abf4fe-c96e-48b4-ac04-c3b39fa429c8"/>
-    <ds:schemaRef ds:uri="http://purl.org/dc/dcmitype/"/>
-    <ds:schemaRef ds:uri="http://schemas.microsoft.com/office/2006/metadata/properties"/>
-    <ds:schemaRef ds:uri="http://schemas.microsoft.com/office/2006/documentManagement/types"/>
-    <ds:schemaRef ds:uri="http://purl.org/dc/elements/1.1/"/>
-    <ds:schemaRef ds:uri="http://schemas.microsoft.com/office/infopath/2007/PartnerControls"/>
-    <ds:schemaRef ds:uri="http://schemas.openxmlformats.org/package/2006/metadata/core-properties"/>
-  </ds:schemaRefs>
-</ds:datastoreItem>
+<file path=customXml/item2.xml><?xml version="1.0" encoding="utf-8"?>
+<?mso-contentType ?>
+<FormTemplates xmlns="http://schemas.microsoft.com/sharepoint/v3/contenttype/forms">
+  <Display>DocumentLibraryForm</Display>
+  <Edit>DocumentLibraryForm</Edit>
+  <New>DocumentLibraryForm</New>
+</FormTemplates>
 </file>
 
-<file path=customXml/itemProps2.xml><?xml version="1.0" encoding="utf-8"?>
-<ds:datastoreItem xmlns:ds="http://schemas.openxmlformats.org/officeDocument/2006/customXml" ds:itemID="{F741A67E-4BDF-48F1-98D9-6D0B049696E9}">
-  <ds:schemaRefs>
-    <ds:schemaRef ds:uri="http://schemas.microsoft.com/sharepoint/v3/contenttype/forms"/>
-  </ds:schemaRefs>
-</ds:datastoreItem>
+<file path=customXml/item3.xml><?xml version="1.0" encoding="utf-8"?>
+<p:properties xmlns:p="http://schemas.microsoft.com/office/2006/metadata/properties" xmlns:xsi="http://www.w3.org/2001/XMLSchema-instance" xmlns:pc="http://schemas.microsoft.com/office/infopath/2007/PartnerControls">
+  <documentManagement/>
+</p:properties>
 </file>
 
-<file path=customXml/itemProps3.xml><?xml version="1.0" encoding="utf-8"?>
+<file path=customXml/itemProps1.xml><?xml version="1.0" encoding="utf-8"?>
 <ds:datastoreItem xmlns:ds="http://schemas.openxmlformats.org/officeDocument/2006/customXml" ds:itemID="{82904BC1-98F8-4759-A31F-9AE3960AE236}">
   <ds:schemaRefs>
     <ds:schemaRef ds:uri="http://schemas.microsoft.com/office/2006/metadata/contentType"/>
@@ -40327,4 +40303,28 @@
     <ds:schemaRef ds:uri="http://schemas.microsoft.com/internal/obd"/>
   </ds:schemaRefs>
 </ds:datastoreItem>
+</file>
+
+<file path=customXml/itemProps2.xml><?xml version="1.0" encoding="utf-8"?>
+<ds:datastoreItem xmlns:ds="http://schemas.openxmlformats.org/officeDocument/2006/customXml" ds:itemID="{F741A67E-4BDF-48F1-98D9-6D0B049696E9}">
+  <ds:schemaRefs>
+    <ds:schemaRef ds:uri="http://schemas.microsoft.com/sharepoint/v3/contenttype/forms"/>
+  </ds:schemaRefs>
+</ds:datastoreItem>
+</file>
+
+<file path=customXml/itemProps3.xml><?xml version="1.0" encoding="utf-8"?>
+<ds:datastoreItem xmlns:ds="http://schemas.openxmlformats.org/officeDocument/2006/customXml" ds:itemID="{171AAE2B-F6A2-4AAE-8BF7-F2866F86FA0A}">
+  <ds:schemaRefs>
+    <ds:schemaRef ds:uri="http://purl.org/dc/terms/"/>
+    <ds:schemaRef ds:uri="http://www.w3.org/XML/1998/namespace"/>
+    <ds:schemaRef ds:uri="e4abf4fe-c96e-48b4-ac04-c3b39fa429c8"/>
+    <ds:schemaRef ds:uri="http://purl.org/dc/dcmitype/"/>
+    <ds:schemaRef ds:uri="http://schemas.microsoft.com/office/2006/metadata/properties"/>
+    <ds:schemaRef ds:uri="http://schemas.microsoft.com/office/2006/documentManagement/types"/>
+    <ds:schemaRef ds:uri="http://purl.org/dc/elements/1.1/"/>
+    <ds:schemaRef ds:uri="http://schemas.microsoft.com/office/infopath/2007/PartnerControls"/>
+    <ds:schemaRef ds:uri="http://schemas.openxmlformats.org/package/2006/metadata/core-properties"/>
+  </ds:schemaRefs>
+</ds:datastoreItem>
 </file>